--- a/static/images/example-dt.pptx
+++ b/static/images/example-dt.pptx
@@ -104,6 +104,11 @@
       </a:defRPr>
     </a:lvl9pPr>
   </p:defaultTextStyle>
+  <p:extLst>
+    <p:ext uri="{EFAFB233-063F-42B5-8137-9DF3F51BA10A}">
+      <p15:sldGuideLst xmlns:p15="http://schemas.microsoft.com/office/powerpoint/2012/main"/>
+    </p:ext>
+  </p:extLst>
 </p:presentation>
 </file>
 
@@ -235,7 +240,7 @@
           <a:lstStyle/>
           <a:p>
             <a:fld id="{E4CA79E8-1ADE-8341-9376-8B147037A07F}" type="datetimeFigureOut">
-              <a:t>2024/6/22</a:t>
+              <a:t>2024/6/30</a:t>
             </a:fld>
             <a:endParaRPr lang="en-CN"/>
           </a:p>
@@ -401,7 +406,7 @@
           <a:lstStyle/>
           <a:p>
             <a:fld id="{E4CA79E8-1ADE-8341-9376-8B147037A07F}" type="datetimeFigureOut">
-              <a:t>2024/6/22</a:t>
+              <a:t>2024/6/30</a:t>
             </a:fld>
             <a:endParaRPr lang="en-CN"/>
           </a:p>
@@ -577,7 +582,7 @@
           <a:lstStyle/>
           <a:p>
             <a:fld id="{E4CA79E8-1ADE-8341-9376-8B147037A07F}" type="datetimeFigureOut">
-              <a:t>2024/6/22</a:t>
+              <a:t>2024/6/30</a:t>
             </a:fld>
             <a:endParaRPr lang="en-CN"/>
           </a:p>
@@ -743,7 +748,7 @@
           <a:lstStyle/>
           <a:p>
             <a:fld id="{E4CA79E8-1ADE-8341-9376-8B147037A07F}" type="datetimeFigureOut">
-              <a:t>2024/6/22</a:t>
+              <a:t>2024/6/30</a:t>
             </a:fld>
             <a:endParaRPr lang="en-CN"/>
           </a:p>
@@ -986,7 +991,7 @@
           <a:lstStyle/>
           <a:p>
             <a:fld id="{E4CA79E8-1ADE-8341-9376-8B147037A07F}" type="datetimeFigureOut">
-              <a:t>2024/6/22</a:t>
+              <a:t>2024/6/30</a:t>
             </a:fld>
             <a:endParaRPr lang="en-CN"/>
           </a:p>
@@ -1213,7 +1218,7 @@
           <a:lstStyle/>
           <a:p>
             <a:fld id="{E4CA79E8-1ADE-8341-9376-8B147037A07F}" type="datetimeFigureOut">
-              <a:t>2024/6/22</a:t>
+              <a:t>2024/6/30</a:t>
             </a:fld>
             <a:endParaRPr lang="en-CN"/>
           </a:p>
@@ -1575,7 +1580,7 @@
           <a:lstStyle/>
           <a:p>
             <a:fld id="{E4CA79E8-1ADE-8341-9376-8B147037A07F}" type="datetimeFigureOut">
-              <a:t>2024/6/22</a:t>
+              <a:t>2024/6/30</a:t>
             </a:fld>
             <a:endParaRPr lang="en-CN"/>
           </a:p>
@@ -1690,7 +1695,7 @@
           <a:lstStyle/>
           <a:p>
             <a:fld id="{E4CA79E8-1ADE-8341-9376-8B147037A07F}" type="datetimeFigureOut">
-              <a:t>2024/6/22</a:t>
+              <a:t>2024/6/30</a:t>
             </a:fld>
             <a:endParaRPr lang="en-CN"/>
           </a:p>
@@ -1783,7 +1788,7 @@
           <a:lstStyle/>
           <a:p>
             <a:fld id="{E4CA79E8-1ADE-8341-9376-8B147037A07F}" type="datetimeFigureOut">
-              <a:t>2024/6/22</a:t>
+              <a:t>2024/6/30</a:t>
             </a:fld>
             <a:endParaRPr lang="en-CN"/>
           </a:p>
@@ -2056,7 +2061,7 @@
           <a:lstStyle/>
           <a:p>
             <a:fld id="{E4CA79E8-1ADE-8341-9376-8B147037A07F}" type="datetimeFigureOut">
-              <a:t>2024/6/22</a:t>
+              <a:t>2024/6/30</a:t>
             </a:fld>
             <a:endParaRPr lang="en-CN"/>
           </a:p>
@@ -2309,7 +2314,7 @@
           <a:lstStyle/>
           <a:p>
             <a:fld id="{E4CA79E8-1ADE-8341-9376-8B147037A07F}" type="datetimeFigureOut">
-              <a:t>2024/6/22</a:t>
+              <a:t>2024/6/30</a:t>
             </a:fld>
             <a:endParaRPr lang="en-CN"/>
           </a:p>
@@ -2518,7 +2523,7 @@
           </a:lstStyle>
           <a:p>
             <a:fld id="{E4CA79E8-1ADE-8341-9376-8B147037A07F}" type="datetimeFigureOut">
-              <a:t>2024/6/22</a:t>
+              <a:t>2024/6/30</a:t>
             </a:fld>
             <a:endParaRPr lang="en-CN"/>
           </a:p>
@@ -3105,7 +3110,7 @@
         </p:nvSpPr>
         <p:spPr>
           <a:xfrm>
-            <a:off x="-296420" y="151004"/>
+            <a:off x="-148210" y="167095"/>
             <a:ext cx="7504685" cy="780855"/>
           </a:xfrm>
           <a:prstGeom prst="rect">
@@ -3130,7 +3135,7 @@
             </a:r>
             <a:r>
               <a:rPr lang="en-US" altLang="zh-CN" sz="2237" b="1"/>
-              <a:t>A</a:t>
+              <a:t>Motivation--A</a:t>
             </a:r>
             <a:r>
               <a:rPr lang="zh-CN" altLang="en-US" sz="2237" b="1"/>
@@ -3146,7 +3151,7 @@
             </a:r>
             <a:r>
               <a:rPr lang="en-US" altLang="zh-CN" sz="2237" b="1"/>
-              <a:t>principle</a:t>
+              <a:t>Principle</a:t>
             </a:r>
             <a:r>
               <a:rPr lang="zh-CN" altLang="en-US" sz="2237" b="1"/>
@@ -3162,7 +3167,7 @@
             </a:r>
             <a:r>
               <a:rPr lang="en-US" altLang="zh-CN" sz="2237" b="1"/>
-              <a:t>human</a:t>
+              <a:t>Human</a:t>
             </a:r>
             <a:r>
               <a:rPr lang="zh-CN" altLang="en-US" sz="2237" b="1"/>
@@ -3170,7 +3175,7 @@
             </a:r>
             <a:r>
               <a:rPr lang="en-US" altLang="zh-CN" sz="2237" b="1"/>
-              <a:t>imitation:</a:t>
+              <a:t>Imitation:</a:t>
             </a:r>
             <a:r>
               <a:rPr lang="zh-CN" altLang="en-US" sz="2237" b="1"/>
